--- a/Later/Java Static Nested Classes/Java Static Nested Classes.pptx
+++ b/Later/Java Static Nested Classes/Java Static Nested Classes.pptx
@@ -192,7 +192,7 @@
           <a:p>
             <a:fld id="{62274EC6-3890-417B-9308-14EFBD00FA63}" type="datetimeFigureOut">
               <a:rPr lang="en-US" smtClean="0"/>
-              <a:t>11/27/2015</a:t>
+              <a:t>12/1/2015</a:t>
             </a:fld>
             <a:endParaRPr lang="en-US" dirty="0"/>
           </a:p>
@@ -731,7 +731,7 @@
             <a:fld id="{1D8BD707-D9CF-40AE-B4C6-C98DA3205C09}" type="datetimeFigureOut">
               <a:rPr lang="en-US" smtClean="0"/>
               <a:pPr/>
-              <a:t>11/27/2015</a:t>
+              <a:t>12/1/2015</a:t>
             </a:fld>
             <a:endParaRPr lang="en-US" dirty="0"/>
           </a:p>
@@ -903,7 +903,7 @@
             <a:fld id="{1D8BD707-D9CF-40AE-B4C6-C98DA3205C09}" type="datetimeFigureOut">
               <a:rPr lang="en-US" smtClean="0"/>
               <a:pPr/>
-              <a:t>11/27/2015</a:t>
+              <a:t>12/1/2015</a:t>
             </a:fld>
             <a:endParaRPr lang="en-US" dirty="0"/>
           </a:p>
@@ -1085,7 +1085,7 @@
             <a:fld id="{1D8BD707-D9CF-40AE-B4C6-C98DA3205C09}" type="datetimeFigureOut">
               <a:rPr lang="en-US" smtClean="0"/>
               <a:pPr/>
-              <a:t>11/27/2015</a:t>
+              <a:t>12/1/2015</a:t>
             </a:fld>
             <a:endParaRPr lang="en-US" dirty="0"/>
           </a:p>
@@ -1257,7 +1257,7 @@
             <a:fld id="{1D8BD707-D9CF-40AE-B4C6-C98DA3205C09}" type="datetimeFigureOut">
               <a:rPr lang="en-US" smtClean="0"/>
               <a:pPr/>
-              <a:t>11/27/2015</a:t>
+              <a:t>12/1/2015</a:t>
             </a:fld>
             <a:endParaRPr lang="en-US" dirty="0"/>
           </a:p>
@@ -1505,7 +1505,7 @@
             <a:fld id="{1D8BD707-D9CF-40AE-B4C6-C98DA3205C09}" type="datetimeFigureOut">
               <a:rPr lang="en-US" smtClean="0"/>
               <a:pPr/>
-              <a:t>11/27/2015</a:t>
+              <a:t>12/1/2015</a:t>
             </a:fld>
             <a:endParaRPr lang="en-US" dirty="0"/>
           </a:p>
@@ -1795,7 +1795,7 @@
             <a:fld id="{1D8BD707-D9CF-40AE-B4C6-C98DA3205C09}" type="datetimeFigureOut">
               <a:rPr lang="en-US" smtClean="0"/>
               <a:pPr/>
-              <a:t>11/27/2015</a:t>
+              <a:t>12/1/2015</a:t>
             </a:fld>
             <a:endParaRPr lang="en-US" dirty="0"/>
           </a:p>
@@ -2224,7 +2224,7 @@
             <a:fld id="{1D8BD707-D9CF-40AE-B4C6-C98DA3205C09}" type="datetimeFigureOut">
               <a:rPr lang="en-US" smtClean="0"/>
               <a:pPr/>
-              <a:t>11/27/2015</a:t>
+              <a:t>12/1/2015</a:t>
             </a:fld>
             <a:endParaRPr lang="en-US" dirty="0"/>
           </a:p>
@@ -2344,7 +2344,7 @@
             <a:fld id="{1D8BD707-D9CF-40AE-B4C6-C98DA3205C09}" type="datetimeFigureOut">
               <a:rPr lang="en-US" smtClean="0"/>
               <a:pPr/>
-              <a:t>11/27/2015</a:t>
+              <a:t>12/1/2015</a:t>
             </a:fld>
             <a:endParaRPr lang="en-US" dirty="0"/>
           </a:p>
@@ -2441,7 +2441,7 @@
             <a:fld id="{1D8BD707-D9CF-40AE-B4C6-C98DA3205C09}" type="datetimeFigureOut">
               <a:rPr lang="en-US" smtClean="0"/>
               <a:pPr/>
-              <a:t>11/27/2015</a:t>
+              <a:t>12/1/2015</a:t>
             </a:fld>
             <a:endParaRPr lang="en-US" dirty="0"/>
           </a:p>
@@ -2720,7 +2720,7 @@
             <a:fld id="{1D8BD707-D9CF-40AE-B4C6-C98DA3205C09}" type="datetimeFigureOut">
               <a:rPr lang="en-US" smtClean="0"/>
               <a:pPr/>
-              <a:t>11/27/2015</a:t>
+              <a:t>12/1/2015</a:t>
             </a:fld>
             <a:endParaRPr lang="en-US" dirty="0"/>
           </a:p>
@@ -2975,7 +2975,7 @@
             <a:fld id="{1D8BD707-D9CF-40AE-B4C6-C98DA3205C09}" type="datetimeFigureOut">
               <a:rPr lang="en-US" smtClean="0"/>
               <a:pPr/>
-              <a:t>11/27/2015</a:t>
+              <a:t>12/1/2015</a:t>
             </a:fld>
             <a:endParaRPr lang="en-US" dirty="0"/>
           </a:p>
@@ -3190,7 +3190,7 @@
             <a:fld id="{1D8BD707-D9CF-40AE-B4C6-C98DA3205C09}" type="datetimeFigureOut">
               <a:rPr lang="en-US" smtClean="0"/>
               <a:pPr/>
-              <a:t>11/27/2015</a:t>
+              <a:t>12/1/2015</a:t>
             </a:fld>
             <a:endParaRPr lang="en-US" dirty="0"/>
           </a:p>
@@ -3877,8 +3877,12 @@
           <a:lstStyle/>
           <a:p>
             <a:r>
+              <a:rPr lang="en-US" sz="1400" dirty="0"/>
+              <a:t>c</a:t>
+            </a:r>
+            <a:r>
               <a:rPr lang="en-US" sz="1400" dirty="0" smtClean="0"/>
-              <a:t>Class </a:t>
+              <a:t>lass </a:t>
             </a:r>
             <a:r>
               <a:rPr lang="en-US" sz="1400" dirty="0"/>
@@ -3909,21 +3913,16 @@
             </a:r>
             <a:r>
               <a:rPr lang="en-US" sz="1400" dirty="0" smtClean="0"/>
-              <a:t>  </a:t>
+              <a:t>  static </a:t>
             </a:r>
             <a:r>
               <a:rPr lang="en-US" sz="1400" dirty="0" smtClean="0"/>
-              <a:t>static Class </a:t>
+              <a:t>class </a:t>
             </a:r>
             <a:r>
               <a:rPr lang="en-US" sz="1400" dirty="0" smtClean="0"/>
-              <a:t>StaticNestedC</a:t>
-            </a:r>
-            <a:r>
-              <a:rPr lang="en-US" sz="1400" dirty="0" smtClean="0"/>
-              <a:t>lass</a:t>
-            </a:r>
-            <a:endParaRPr lang="en-US" sz="1400" dirty="0" smtClean="0"/>
+              <a:t>StaticNestedClass</a:t>
+            </a:r>
           </a:p>
           <a:p>
             <a:r>
@@ -4061,7 +4060,6 @@
               <a:rPr lang="en-US" sz="1000" dirty="0"/>
               <a:t>static nested class interacts with the instance members of its outer class (and other classes) just like any other top-level class. In effect, a static nested class is behaviorally a top-level class that has been nested in another top-level class for packaging convenience.</a:t>
             </a:r>
-            <a:endParaRPr lang="en-US" sz="1000" dirty="0"/>
           </a:p>
         </p:txBody>
       </p:sp>
@@ -4102,29 +4100,8 @@
           <a:p>
             <a:r>
               <a:rPr lang="en-US" sz="1200" dirty="0"/>
-              <a:t>OuterClass.StaticNestedClass</a:t>
-            </a:r>
-            <a:r>
-              <a:rPr lang="en-US" sz="1200" dirty="0"/>
-              <a:t> </a:t>
-            </a:r>
-            <a:r>
-              <a:rPr lang="en-US" sz="1200" dirty="0"/>
-              <a:t>nestedObject</a:t>
-            </a:r>
-            <a:r>
-              <a:rPr lang="en-US" sz="1200" dirty="0"/>
-              <a:t> = new </a:t>
-            </a:r>
-            <a:r>
-              <a:rPr lang="en-US" sz="1200" dirty="0"/>
-              <a:t>OuterClass.StaticNestedClass</a:t>
-            </a:r>
-            <a:r>
-              <a:rPr lang="en-US" sz="1200" dirty="0"/>
-              <a:t>();</a:t>
-            </a:r>
-            <a:endParaRPr lang="en-US" sz="1200" dirty="0"/>
+              <a:t>OuterClass.StaticNestedClass nestedObject = new OuterClass.StaticNestedClass();</a:t>
+            </a:r>
           </a:p>
         </p:txBody>
       </p:sp>
